--- a/Creacion Logo.pptx
+++ b/Creacion Logo.pptx
@@ -7,6 +7,7 @@
   <p:sldIdLst>
     <p:sldId id="256" r:id="rId2"/>
     <p:sldId id="257" r:id="rId3"/>
+    <p:sldId id="258" r:id="rId4"/>
   </p:sldIdLst>
   <p:sldSz cx="12192000" cy="6858000"/>
   <p:notesSz cx="6858000" cy="9144000"/>
@@ -105,6 +106,11 @@
       </a:defRPr>
     </a:lvl9pPr>
   </p:defaultTextStyle>
+  <p:extLst>
+    <p:ext uri="{EFAFB233-063F-42B5-8137-9DF3F51BA10A}">
+      <p15:sldGuideLst xmlns:p15="http://schemas.microsoft.com/office/powerpoint/2012/main"/>
+    </p:ext>
+  </p:extLst>
 </p:presentation>
 </file>
 
@@ -255,7 +261,7 @@
           <a:p>
             <a:fld id="{99EA6D8B-1F64-AE46-89DB-1D4040C64EBF}" type="datetimeFigureOut">
               <a:rPr lang="es-ES" smtClean="0"/>
-              <a:t>3/7/23</a:t>
+              <a:t>6/7/23</a:t>
             </a:fld>
             <a:endParaRPr lang="es-ES"/>
           </a:p>
@@ -453,7 +459,7 @@
           <a:p>
             <a:fld id="{99EA6D8B-1F64-AE46-89DB-1D4040C64EBF}" type="datetimeFigureOut">
               <a:rPr lang="es-ES" smtClean="0"/>
-              <a:t>3/7/23</a:t>
+              <a:t>6/7/23</a:t>
             </a:fld>
             <a:endParaRPr lang="es-ES"/>
           </a:p>
@@ -661,7 +667,7 @@
           <a:p>
             <a:fld id="{99EA6D8B-1F64-AE46-89DB-1D4040C64EBF}" type="datetimeFigureOut">
               <a:rPr lang="es-ES" smtClean="0"/>
-              <a:t>3/7/23</a:t>
+              <a:t>6/7/23</a:t>
             </a:fld>
             <a:endParaRPr lang="es-ES"/>
           </a:p>
@@ -859,7 +865,7 @@
           <a:p>
             <a:fld id="{99EA6D8B-1F64-AE46-89DB-1D4040C64EBF}" type="datetimeFigureOut">
               <a:rPr lang="es-ES" smtClean="0"/>
-              <a:t>3/7/23</a:t>
+              <a:t>6/7/23</a:t>
             </a:fld>
             <a:endParaRPr lang="es-ES"/>
           </a:p>
@@ -1134,7 +1140,7 @@
           <a:p>
             <a:fld id="{99EA6D8B-1F64-AE46-89DB-1D4040C64EBF}" type="datetimeFigureOut">
               <a:rPr lang="es-ES" smtClean="0"/>
-              <a:t>3/7/23</a:t>
+              <a:t>6/7/23</a:t>
             </a:fld>
             <a:endParaRPr lang="es-ES"/>
           </a:p>
@@ -1399,7 +1405,7 @@
           <a:p>
             <a:fld id="{99EA6D8B-1F64-AE46-89DB-1D4040C64EBF}" type="datetimeFigureOut">
               <a:rPr lang="es-ES" smtClean="0"/>
-              <a:t>3/7/23</a:t>
+              <a:t>6/7/23</a:t>
             </a:fld>
             <a:endParaRPr lang="es-ES"/>
           </a:p>
@@ -1811,7 +1817,7 @@
           <a:p>
             <a:fld id="{99EA6D8B-1F64-AE46-89DB-1D4040C64EBF}" type="datetimeFigureOut">
               <a:rPr lang="es-ES" smtClean="0"/>
-              <a:t>3/7/23</a:t>
+              <a:t>6/7/23</a:t>
             </a:fld>
             <a:endParaRPr lang="es-ES"/>
           </a:p>
@@ -1952,7 +1958,7 @@
           <a:p>
             <a:fld id="{99EA6D8B-1F64-AE46-89DB-1D4040C64EBF}" type="datetimeFigureOut">
               <a:rPr lang="es-ES" smtClean="0"/>
-              <a:t>3/7/23</a:t>
+              <a:t>6/7/23</a:t>
             </a:fld>
             <a:endParaRPr lang="es-ES"/>
           </a:p>
@@ -2065,7 +2071,7 @@
           <a:p>
             <a:fld id="{99EA6D8B-1F64-AE46-89DB-1D4040C64EBF}" type="datetimeFigureOut">
               <a:rPr lang="es-ES" smtClean="0"/>
-              <a:t>3/7/23</a:t>
+              <a:t>6/7/23</a:t>
             </a:fld>
             <a:endParaRPr lang="es-ES"/>
           </a:p>
@@ -2376,7 +2382,7 @@
           <a:p>
             <a:fld id="{99EA6D8B-1F64-AE46-89DB-1D4040C64EBF}" type="datetimeFigureOut">
               <a:rPr lang="es-ES" smtClean="0"/>
-              <a:t>3/7/23</a:t>
+              <a:t>6/7/23</a:t>
             </a:fld>
             <a:endParaRPr lang="es-ES"/>
           </a:p>
@@ -2664,7 +2670,7 @@
           <a:p>
             <a:fld id="{99EA6D8B-1F64-AE46-89DB-1D4040C64EBF}" type="datetimeFigureOut">
               <a:rPr lang="es-ES" smtClean="0"/>
-              <a:t>3/7/23</a:t>
+              <a:t>6/7/23</a:t>
             </a:fld>
             <a:endParaRPr lang="es-ES"/>
           </a:p>
@@ -2905,7 +2911,7 @@
           <a:p>
             <a:fld id="{99EA6D8B-1F64-AE46-89DB-1D4040C64EBF}" type="datetimeFigureOut">
               <a:rPr lang="es-ES" smtClean="0"/>
-              <a:t>3/7/23</a:t>
+              <a:t>6/7/23</a:t>
             </a:fld>
             <a:endParaRPr lang="es-ES"/>
           </a:p>
@@ -3336,7 +3342,7 @@
         </p:nvSpPr>
         <p:spPr>
           <a:xfrm>
-            <a:off x="0" y="0"/>
+            <a:off x="-154782" y="-92869"/>
             <a:ext cx="12501563" cy="7043738"/>
           </a:xfrm>
           <a:prstGeom prst="rect">
@@ -3740,18 +3746,7 @@
                 <a:ea typeface="Helvetica Neue Light" panose="02000403000000020004" pitchFamily="2" charset="0"/>
                 <a:cs typeface="Helvetica Neue" panose="02000503000000020004" pitchFamily="2" charset="0"/>
               </a:rPr>
-              <a:t>SALUD </a:t>
-            </a:r>
-            <a:r>
-              <a:rPr lang="es-ES" sz="2400" dirty="0">
-                <a:solidFill>
-                  <a:schemeClr val="bg1"/>
-                </a:solidFill>
-                <a:latin typeface="Helvetica Neue Light" panose="02000403000000020004" pitchFamily="2" charset="0"/>
-                <a:ea typeface="Helvetica Neue Light" panose="02000403000000020004" pitchFamily="2" charset="0"/>
-                <a:cs typeface="Helvetica Neue" panose="02000503000000020004" pitchFamily="2" charset="0"/>
-              </a:rPr>
-              <a:t>MENTAL</a:t>
+              <a:t>SALUD MENTAL</a:t>
             </a:r>
           </a:p>
         </p:txBody>
@@ -3760,6 +3755,232 @@
     <p:extLst>
       <p:ext uri="{BB962C8B-B14F-4D97-AF65-F5344CB8AC3E}">
         <p14:creationId xmlns:p14="http://schemas.microsoft.com/office/powerpoint/2010/main" val="2165711678"/>
+      </p:ext>
+    </p:extLst>
+  </p:cSld>
+  <p:clrMapOvr>
+    <a:overrideClrMapping bg1="lt1" tx1="dk1" bg2="lt2" tx2="dk2" accent1="accent1" accent2="accent2" accent3="accent3" accent4="accent4" accent5="accent5" accent6="accent6" hlink="hlink" folHlink="folHlink"/>
+  </p:clrMapOvr>
+</p:sld>
+</file>
+
+<file path=ppt/slides/slide3.xml><?xml version="1.0" encoding="utf-8"?>
+<p:sld xmlns:a="http://schemas.openxmlformats.org/drawingml/2006/main" xmlns:r="http://schemas.openxmlformats.org/officeDocument/2006/relationships" xmlns:p="http://schemas.openxmlformats.org/presentationml/2006/main">
+  <p:cSld>
+    <p:bg>
+      <p:bgPr>
+        <a:solidFill>
+          <a:schemeClr val="bg1">
+            <a:alpha val="66000"/>
+          </a:schemeClr>
+        </a:solidFill>
+        <a:effectLst/>
+      </p:bgPr>
+    </p:bg>
+    <p:spTree>
+      <p:nvGrpSpPr>
+        <p:cNvPr id="1" name=""/>
+        <p:cNvGrpSpPr/>
+        <p:nvPr/>
+      </p:nvGrpSpPr>
+      <p:grpSpPr>
+        <a:xfrm>
+          <a:off x="0" y="0"/>
+          <a:ext cx="0" cy="0"/>
+          <a:chOff x="0" y="0"/>
+          <a:chExt cx="0" cy="0"/>
+        </a:xfrm>
+      </p:grpSpPr>
+      <p:sp>
+        <p:nvSpPr>
+          <p:cNvPr id="7" name="Rectángulo 6">
+            <a:extLst>
+              <a:ext uri="{FF2B5EF4-FFF2-40B4-BE49-F238E27FC236}">
+                <a16:creationId xmlns:a16="http://schemas.microsoft.com/office/drawing/2014/main" id="{E9898426-059B-8B21-B36C-FC64BC459C3E}"/>
+              </a:ext>
+            </a:extLst>
+          </p:cNvPr>
+          <p:cNvSpPr/>
+          <p:nvPr/>
+        </p:nvSpPr>
+        <p:spPr>
+          <a:xfrm>
+            <a:off x="-154782" y="-92869"/>
+            <a:ext cx="12501563" cy="7043738"/>
+          </a:xfrm>
+          <a:prstGeom prst="rect">
+            <a:avLst/>
+          </a:prstGeom>
+          <a:gradFill flip="none" rotWithShape="1">
+            <a:gsLst>
+              <a:gs pos="0">
+                <a:schemeClr val="accent1">
+                  <a:lumMod val="0"/>
+                  <a:lumOff val="100000"/>
+                </a:schemeClr>
+              </a:gs>
+              <a:gs pos="54000">
+                <a:srgbClr val="4472C4"/>
+              </a:gs>
+              <a:gs pos="0">
+                <a:schemeClr val="accent1">
+                  <a:lumMod val="0"/>
+                  <a:lumOff val="100000"/>
+                </a:schemeClr>
+              </a:gs>
+              <a:gs pos="100000">
+                <a:srgbClr val="335BA3">
+                  <a:lumMod val="83000"/>
+                </a:srgbClr>
+              </a:gs>
+            </a:gsLst>
+            <a:path path="circle">
+              <a:fillToRect l="100000" t="100000"/>
+            </a:path>
+            <a:tileRect r="-100000" b="-100000"/>
+          </a:gradFill>
+        </p:spPr>
+        <p:style>
+          <a:lnRef idx="2">
+            <a:schemeClr val="accent1">
+              <a:shade val="15000"/>
+            </a:schemeClr>
+          </a:lnRef>
+          <a:fillRef idx="1">
+            <a:schemeClr val="accent1"/>
+          </a:fillRef>
+          <a:effectRef idx="0">
+            <a:schemeClr val="accent1"/>
+          </a:effectRef>
+          <a:fontRef idx="minor">
+            <a:schemeClr val="lt1"/>
+          </a:fontRef>
+        </p:style>
+        <p:txBody>
+          <a:bodyPr rtlCol="0" anchor="ctr"/>
+          <a:lstStyle/>
+          <a:p>
+            <a:pPr algn="ctr"/>
+            <a:endParaRPr lang="es-ES"/>
+          </a:p>
+        </p:txBody>
+      </p:sp>
+      <p:sp>
+        <p:nvSpPr>
+          <p:cNvPr id="2" name="Rectángulo redondeado 1">
+            <a:extLst>
+              <a:ext uri="{FF2B5EF4-FFF2-40B4-BE49-F238E27FC236}">
+                <a16:creationId xmlns:a16="http://schemas.microsoft.com/office/drawing/2014/main" id="{2699CF89-0E4B-9380-5E61-8F808B68D0F8}"/>
+              </a:ext>
+            </a:extLst>
+          </p:cNvPr>
+          <p:cNvSpPr/>
+          <p:nvPr/>
+        </p:nvSpPr>
+        <p:spPr>
+          <a:xfrm>
+            <a:off x="221672" y="1219199"/>
+            <a:ext cx="11748653" cy="5510365"/>
+          </a:xfrm>
+          <a:prstGeom prst="roundRect">
+            <a:avLst>
+              <a:gd name="adj" fmla="val 7500"/>
+            </a:avLst>
+          </a:prstGeom>
+          <a:solidFill>
+            <a:schemeClr val="bg1">
+              <a:alpha val="40000"/>
+            </a:schemeClr>
+          </a:solidFill>
+          <a:ln>
+            <a:noFill/>
+          </a:ln>
+        </p:spPr>
+        <p:style>
+          <a:lnRef idx="2">
+            <a:schemeClr val="accent1">
+              <a:shade val="15000"/>
+            </a:schemeClr>
+          </a:lnRef>
+          <a:fillRef idx="1">
+            <a:schemeClr val="accent1"/>
+          </a:fillRef>
+          <a:effectRef idx="0">
+            <a:schemeClr val="accent1"/>
+          </a:effectRef>
+          <a:fontRef idx="minor">
+            <a:schemeClr val="lt1"/>
+          </a:fontRef>
+        </p:style>
+        <p:txBody>
+          <a:bodyPr rtlCol="0" anchor="ctr"/>
+          <a:lstStyle/>
+          <a:p>
+            <a:pPr algn="ctr"/>
+            <a:endParaRPr lang="es-ES"/>
+          </a:p>
+        </p:txBody>
+      </p:sp>
+      <p:sp>
+        <p:nvSpPr>
+          <p:cNvPr id="3" name="Rectángulo redondeado 2">
+            <a:extLst>
+              <a:ext uri="{FF2B5EF4-FFF2-40B4-BE49-F238E27FC236}">
+                <a16:creationId xmlns:a16="http://schemas.microsoft.com/office/drawing/2014/main" id="{C8380694-2089-930B-F21A-2CCB2217C139}"/>
+              </a:ext>
+            </a:extLst>
+          </p:cNvPr>
+          <p:cNvSpPr/>
+          <p:nvPr/>
+        </p:nvSpPr>
+        <p:spPr>
+          <a:xfrm>
+            <a:off x="221671" y="1219198"/>
+            <a:ext cx="955965" cy="5510365"/>
+          </a:xfrm>
+          <a:prstGeom prst="roundRect">
+            <a:avLst>
+              <a:gd name="adj" fmla="val 42283"/>
+            </a:avLst>
+          </a:prstGeom>
+          <a:solidFill>
+            <a:schemeClr val="bg1">
+              <a:alpha val="37000"/>
+            </a:schemeClr>
+          </a:solidFill>
+          <a:ln>
+            <a:noFill/>
+          </a:ln>
+        </p:spPr>
+        <p:style>
+          <a:lnRef idx="2">
+            <a:schemeClr val="accent1">
+              <a:shade val="15000"/>
+            </a:schemeClr>
+          </a:lnRef>
+          <a:fillRef idx="1">
+            <a:schemeClr val="accent1"/>
+          </a:fillRef>
+          <a:effectRef idx="0">
+            <a:schemeClr val="accent1"/>
+          </a:effectRef>
+          <a:fontRef idx="minor">
+            <a:schemeClr val="lt1"/>
+          </a:fontRef>
+        </p:style>
+        <p:txBody>
+          <a:bodyPr rtlCol="0" anchor="ctr"/>
+          <a:lstStyle/>
+          <a:p>
+            <a:pPr algn="ctr"/>
+            <a:endParaRPr lang="es-ES"/>
+          </a:p>
+        </p:txBody>
+      </p:sp>
+    </p:spTree>
+    <p:extLst>
+      <p:ext uri="{BB962C8B-B14F-4D97-AF65-F5344CB8AC3E}">
+        <p14:creationId xmlns:p14="http://schemas.microsoft.com/office/powerpoint/2010/main" val="3203493717"/>
       </p:ext>
     </p:extLst>
   </p:cSld>
@@ -4105,4 +4326,47 @@
     </a:folHlink>
   </a:clrScheme>
 </a:themeOverride>
+</file>
+
+<file path=ppt/theme/themeOverride2.xml><?xml version="1.0" encoding="utf-8"?>
+<a:themeOverride xmlns:a="http://schemas.openxmlformats.org/drawingml/2006/main">
+  <a:clrScheme name="Office">
+    <a:dk1>
+      <a:sysClr val="windowText" lastClr="000000"/>
+    </a:dk1>
+    <a:lt1>
+      <a:sysClr val="window" lastClr="FFFFFF"/>
+    </a:lt1>
+    <a:dk2>
+      <a:srgbClr val="44546A"/>
+    </a:dk2>
+    <a:lt2>
+      <a:srgbClr val="E7E6E6"/>
+    </a:lt2>
+    <a:accent1>
+      <a:srgbClr val="4472C4"/>
+    </a:accent1>
+    <a:accent2>
+      <a:srgbClr val="ED7D31"/>
+    </a:accent2>
+    <a:accent3>
+      <a:srgbClr val="A5A5A5"/>
+    </a:accent3>
+    <a:accent4>
+      <a:srgbClr val="FFC000"/>
+    </a:accent4>
+    <a:accent5>
+      <a:srgbClr val="5B9BD5"/>
+    </a:accent5>
+    <a:accent6>
+      <a:srgbClr val="70AD47"/>
+    </a:accent6>
+    <a:hlink>
+      <a:srgbClr val="0563C1"/>
+    </a:hlink>
+    <a:folHlink>
+      <a:srgbClr val="954F72"/>
+    </a:folHlink>
+  </a:clrScheme>
+</a:themeOverride>
 </file>